--- a/Conference/2602_QIP/タイトル.pptx
+++ b/Conference/2602_QIP/タイトル.pptx
@@ -254,7 +254,7 @@
           <a:p>
             <a:fld id="{7C6C56E5-2BD0-9B4B-9D5D-E53D5E1FBD89}" type="datetimeFigureOut">
               <a:rPr kumimoji="1" lang="ja-JP" altLang="en-US" smtClean="0"/>
-              <a:t>2025/9/3</a:t>
+              <a:t>2025/12/26</a:t>
             </a:fld>
             <a:endParaRPr kumimoji="1" lang="ja-JP" altLang="en-US"/>
           </a:p>
@@ -456,7 +456,7 @@
           <a:p>
             <a:fld id="{7C6C56E5-2BD0-9B4B-9D5D-E53D5E1FBD89}" type="datetimeFigureOut">
               <a:rPr kumimoji="1" lang="ja-JP" altLang="en-US" smtClean="0"/>
-              <a:t>2025/9/3</a:t>
+              <a:t>2025/12/26</a:t>
             </a:fld>
             <a:endParaRPr kumimoji="1" lang="ja-JP" altLang="en-US"/>
           </a:p>
@@ -668,7 +668,7 @@
           <a:p>
             <a:fld id="{7C6C56E5-2BD0-9B4B-9D5D-E53D5E1FBD89}" type="datetimeFigureOut">
               <a:rPr kumimoji="1" lang="ja-JP" altLang="en-US" smtClean="0"/>
-              <a:t>2025/9/3</a:t>
+              <a:t>2025/12/26</a:t>
             </a:fld>
             <a:endParaRPr kumimoji="1" lang="ja-JP" altLang="en-US"/>
           </a:p>
@@ -870,7 +870,7 @@
           <a:p>
             <a:fld id="{7C6C56E5-2BD0-9B4B-9D5D-E53D5E1FBD89}" type="datetimeFigureOut">
               <a:rPr kumimoji="1" lang="ja-JP" altLang="en-US" smtClean="0"/>
-              <a:t>2025/9/3</a:t>
+              <a:t>2025/12/26</a:t>
             </a:fld>
             <a:endParaRPr kumimoji="1" lang="ja-JP" altLang="en-US"/>
           </a:p>
@@ -1116,7 +1116,7 @@
           <a:p>
             <a:fld id="{7C6C56E5-2BD0-9B4B-9D5D-E53D5E1FBD89}" type="datetimeFigureOut">
               <a:rPr kumimoji="1" lang="ja-JP" altLang="en-US" smtClean="0"/>
-              <a:t>2025/9/3</a:t>
+              <a:t>2025/12/26</a:t>
             </a:fld>
             <a:endParaRPr kumimoji="1" lang="ja-JP" altLang="en-US"/>
           </a:p>
@@ -1412,7 +1412,7 @@
           <a:p>
             <a:fld id="{7C6C56E5-2BD0-9B4B-9D5D-E53D5E1FBD89}" type="datetimeFigureOut">
               <a:rPr kumimoji="1" lang="ja-JP" altLang="en-US" smtClean="0"/>
-              <a:t>2025/9/3</a:t>
+              <a:t>2025/12/26</a:t>
             </a:fld>
             <a:endParaRPr kumimoji="1" lang="ja-JP" altLang="en-US"/>
           </a:p>
@@ -1843,7 +1843,7 @@
           <a:p>
             <a:fld id="{7C6C56E5-2BD0-9B4B-9D5D-E53D5E1FBD89}" type="datetimeFigureOut">
               <a:rPr kumimoji="1" lang="ja-JP" altLang="en-US" smtClean="0"/>
-              <a:t>2025/9/3</a:t>
+              <a:t>2025/12/26</a:t>
             </a:fld>
             <a:endParaRPr kumimoji="1" lang="ja-JP" altLang="en-US"/>
           </a:p>
@@ -1961,7 +1961,7 @@
           <a:p>
             <a:fld id="{7C6C56E5-2BD0-9B4B-9D5D-E53D5E1FBD89}" type="datetimeFigureOut">
               <a:rPr kumimoji="1" lang="ja-JP" altLang="en-US" smtClean="0"/>
-              <a:t>2025/9/3</a:t>
+              <a:t>2025/12/26</a:t>
             </a:fld>
             <a:endParaRPr kumimoji="1" lang="ja-JP" altLang="en-US"/>
           </a:p>
@@ -2056,7 +2056,7 @@
           <a:p>
             <a:fld id="{7C6C56E5-2BD0-9B4B-9D5D-E53D5E1FBD89}" type="datetimeFigureOut">
               <a:rPr kumimoji="1" lang="ja-JP" altLang="en-US" smtClean="0"/>
-              <a:t>2025/9/3</a:t>
+              <a:t>2025/12/26</a:t>
             </a:fld>
             <a:endParaRPr kumimoji="1" lang="ja-JP" altLang="en-US"/>
           </a:p>
@@ -2365,7 +2365,7 @@
           <a:p>
             <a:fld id="{7C6C56E5-2BD0-9B4B-9D5D-E53D5E1FBD89}" type="datetimeFigureOut">
               <a:rPr kumimoji="1" lang="ja-JP" altLang="en-US" smtClean="0"/>
-              <a:t>2025/9/3</a:t>
+              <a:t>2025/12/26</a:t>
             </a:fld>
             <a:endParaRPr kumimoji="1" lang="ja-JP" altLang="en-US"/>
           </a:p>
@@ -2622,7 +2622,7 @@
           <a:p>
             <a:fld id="{7C6C56E5-2BD0-9B4B-9D5D-E53D5E1FBD89}" type="datetimeFigureOut">
               <a:rPr kumimoji="1" lang="ja-JP" altLang="en-US" smtClean="0"/>
-              <a:t>2025/9/3</a:t>
+              <a:t>2025/12/26</a:t>
             </a:fld>
             <a:endParaRPr kumimoji="1" lang="ja-JP" altLang="en-US"/>
           </a:p>
@@ -2867,7 +2867,7 @@
           <a:p>
             <a:fld id="{7C6C56E5-2BD0-9B4B-9D5D-E53D5E1FBD89}" type="datetimeFigureOut">
               <a:rPr kumimoji="1" lang="ja-JP" altLang="en-US" smtClean="0"/>
-              <a:t>2025/9/3</a:t>
+              <a:t>2025/12/26</a:t>
             </a:fld>
             <a:endParaRPr kumimoji="1" lang="ja-JP" altLang="en-US"/>
           </a:p>
@@ -3338,8 +3338,8 @@
         </p:nvSpPr>
         <p:spPr>
           <a:xfrm>
-            <a:off x="532755" y="852404"/>
-            <a:ext cx="26576039" cy="3046988"/>
+            <a:off x="14630400" y="2995180"/>
+            <a:ext cx="12701419" cy="769441"/>
           </a:xfrm>
           <a:prstGeom prst="rect">
             <a:avLst/>
@@ -3351,89 +3351,6 @@
             <a:spAutoFit/>
           </a:bodyPr>
           <a:lstStyle/>
-          <a:p>
-            <a:pPr algn="ctr"/>
-            <a:r>
-              <a:rPr lang="en" altLang="ja-JP" sz="8400" dirty="0">
-                <a:solidFill>
-                  <a:schemeClr val="bg1"/>
-                </a:solidFill>
-                <a:latin typeface="Times New Roman" panose="02020603050405020304" pitchFamily="18" charset="0"/>
-                <a:cs typeface="Times New Roman" panose="02020603050405020304" pitchFamily="18" charset="0"/>
-              </a:rPr>
-              <a:t>Trotterization is substantially efficient for low-energy states</a:t>
-            </a:r>
-          </a:p>
-          <a:p>
-            <a:pPr algn="ctr"/>
-            <a:r>
-              <a:rPr lang="en" altLang="ja-JP" sz="4400" dirty="0">
-                <a:solidFill>
-                  <a:schemeClr val="bg1"/>
-                </a:solidFill>
-                <a:latin typeface="Times New Roman" panose="02020603050405020304" pitchFamily="18" charset="0"/>
-                <a:ea typeface="UD Digi Kyokasho NK-R" panose="02020400000000000000" pitchFamily="18" charset="-128"/>
-                <a:cs typeface="Times New Roman" panose="02020603050405020304" pitchFamily="18" charset="0"/>
-              </a:rPr>
-              <a:t>-</a:t>
-            </a:r>
-            <a:r>
-              <a:rPr lang="en" altLang="ja-JP" sz="4400" b="0" i="0" u="none" strike="noStrike" dirty="0">
-                <a:solidFill>
-                  <a:schemeClr val="bg1"/>
-                </a:solidFill>
-                <a:effectLst/>
-                <a:latin typeface="Times New Roman" panose="02020603050405020304" pitchFamily="18" charset="0"/>
-                <a:ea typeface="UD Digi Kyokasho NK-R" panose="02020400000000000000" pitchFamily="18" charset="-128"/>
-                <a:cs typeface="Times New Roman" panose="02020603050405020304" pitchFamily="18" charset="0"/>
-              </a:rPr>
-              <a:t>Trotter</a:t>
-            </a:r>
-            <a:r>
-              <a:rPr lang="ja-JP" altLang="en-US" sz="4400" b="0" i="0" u="none" strike="noStrike">
-                <a:solidFill>
-                  <a:schemeClr val="bg1"/>
-                </a:solidFill>
-                <a:effectLst/>
-                <a:latin typeface="Times New Roman" panose="02020603050405020304" pitchFamily="18" charset="0"/>
-                <a:ea typeface="UD Digi Kyokasho NK-R" panose="02020400000000000000" pitchFamily="18" charset="-128"/>
-                <a:cs typeface="Times New Roman" panose="02020603050405020304" pitchFamily="18" charset="0"/>
-              </a:rPr>
-              <a:t>分解の低エネルギー初期状態に対する本質的効率性</a:t>
-            </a:r>
-            <a:r>
-              <a:rPr lang="en" altLang="ja-JP" sz="4400" dirty="0">
-                <a:solidFill>
-                  <a:schemeClr val="bg1"/>
-                </a:solidFill>
-                <a:latin typeface="Times New Roman" panose="02020603050405020304" pitchFamily="18" charset="0"/>
-                <a:ea typeface="UD Digi Kyokasho NK-R" panose="02020400000000000000" pitchFamily="18" charset="-128"/>
-                <a:cs typeface="Times New Roman" panose="02020603050405020304" pitchFamily="18" charset="0"/>
-              </a:rPr>
-              <a:t>-</a:t>
-            </a:r>
-            <a:endParaRPr lang="en" altLang="ja-JP" sz="4400" b="0" i="0" u="none" strike="noStrike" dirty="0">
-              <a:solidFill>
-                <a:schemeClr val="bg1"/>
-              </a:solidFill>
-              <a:effectLst/>
-              <a:latin typeface="Times New Roman" panose="02020603050405020304" pitchFamily="18" charset="0"/>
-              <a:ea typeface="UD Digi Kyokasho NK-R" panose="02020400000000000000" pitchFamily="18" charset="-128"/>
-              <a:cs typeface="Times New Roman" panose="02020603050405020304" pitchFamily="18" charset="0"/>
-            </a:endParaRPr>
-          </a:p>
-          <a:p>
-            <a:pPr algn="ctr"/>
-            <a:endParaRPr lang="en" altLang="ja-JP" sz="2000" b="0" i="0" u="none" strike="noStrike" dirty="0">
-              <a:solidFill>
-                <a:schemeClr val="bg1"/>
-              </a:solidFill>
-              <a:effectLst/>
-              <a:latin typeface="Times New Roman" panose="02020603050405020304" pitchFamily="18" charset="0"/>
-              <a:ea typeface="UD Digi Kyokasho NK-R" panose="02020400000000000000" pitchFamily="18" charset="-128"/>
-              <a:cs typeface="Times New Roman" panose="02020603050405020304" pitchFamily="18" charset="0"/>
-            </a:endParaRPr>
-          </a:p>
           <a:p>
             <a:pPr algn="r"/>
             <a:r>
@@ -3490,7 +3407,7 @@
         </p:nvSpPr>
         <p:spPr>
           <a:xfrm>
-            <a:off x="11374244" y="267629"/>
+            <a:off x="-6623825" y="3379900"/>
             <a:ext cx="15734551" cy="584775"/>
           </a:xfrm>
           <a:prstGeom prst="rect">
@@ -3516,33 +3433,7 @@
                 <a:latin typeface="Times New Roman" panose="02020603050405020304" pitchFamily="18" charset="0"/>
                 <a:cs typeface="Times New Roman" panose="02020603050405020304" pitchFamily="18" charset="0"/>
               </a:rPr>
-              <a:t> KM, </a:t>
-            </a:r>
-            <a:r>
-              <a:rPr kumimoji="1" lang="en-US" altLang="ja-JP" sz="3200" dirty="0" err="1">
-                <a:solidFill>
-                  <a:schemeClr val="accent4">
-                    <a:lumMod val="20000"/>
-                    <a:lumOff val="80000"/>
-                  </a:schemeClr>
-                </a:solidFill>
-                <a:latin typeface="Times New Roman" panose="02020603050405020304" pitchFamily="18" charset="0"/>
-                <a:cs typeface="Times New Roman" panose="02020603050405020304" pitchFamily="18" charset="0"/>
-              </a:rPr>
-              <a:t>Tomotaka</a:t>
-            </a:r>
-            <a:r>
-              <a:rPr kumimoji="1" lang="en-US" altLang="ja-JP" sz="3200" dirty="0">
-                <a:solidFill>
-                  <a:schemeClr val="accent4">
-                    <a:lumMod val="20000"/>
-                    <a:lumOff val="80000"/>
-                  </a:schemeClr>
-                </a:solidFill>
-                <a:latin typeface="Times New Roman" panose="02020603050405020304" pitchFamily="18" charset="0"/>
-                <a:cs typeface="Times New Roman" panose="02020603050405020304" pitchFamily="18" charset="0"/>
-              </a:rPr>
-              <a:t> Kuwahara, arXiv:2504.20746 (2025), to appear in Physical Review Letters</a:t>
+              <a:t> KM, arXiv:2507.06557 (2025), to appear in Quantum</a:t>
             </a:r>
             <a:endParaRPr kumimoji="1" lang="ja-JP" altLang="en-US" sz="3200">
               <a:solidFill>
@@ -3550,6 +3441,68 @@
                   <a:lumMod val="20000"/>
                   <a:lumOff val="80000"/>
                 </a:schemeClr>
+              </a:solidFill>
+              <a:latin typeface="Times New Roman" panose="02020603050405020304" pitchFamily="18" charset="0"/>
+              <a:cs typeface="Times New Roman" panose="02020603050405020304" pitchFamily="18" charset="0"/>
+            </a:endParaRPr>
+          </a:p>
+        </p:txBody>
+      </p:sp>
+      <p:sp>
+        <p:nvSpPr>
+          <p:cNvPr id="2" name="テキスト ボックス 1">
+            <a:extLst>
+              <a:ext uri="{FF2B5EF4-FFF2-40B4-BE49-F238E27FC236}">
+                <a16:creationId xmlns:a16="http://schemas.microsoft.com/office/drawing/2014/main" id="{388C807C-90C2-A7A7-EDE5-9E5438A71A92}"/>
+              </a:ext>
+            </a:extLst>
+          </p:cNvPr>
+          <p:cNvSpPr txBox="1"/>
+          <p:nvPr/>
+        </p:nvSpPr>
+        <p:spPr>
+          <a:xfrm>
+            <a:off x="2617820" y="239248"/>
+            <a:ext cx="22405910" cy="2554545"/>
+          </a:xfrm>
+          <a:prstGeom prst="rect">
+            <a:avLst/>
+          </a:prstGeom>
+          <a:noFill/>
+        </p:spPr>
+        <p:txBody>
+          <a:bodyPr wrap="square">
+            <a:spAutoFit/>
+          </a:bodyPr>
+          <a:lstStyle/>
+          <a:p>
+            <a:pPr algn="ctr"/>
+            <a:r>
+              <a:rPr kumimoji="1" lang="en-US" altLang="ja-JP" sz="8000" dirty="0">
+                <a:solidFill>
+                  <a:schemeClr val="bg1"/>
+                </a:solidFill>
+                <a:latin typeface="Times New Roman" panose="02020603050405020304" pitchFamily="18" charset="0"/>
+                <a:cs typeface="Times New Roman" panose="02020603050405020304" pitchFamily="18" charset="0"/>
+              </a:rPr>
+              <a:t>On the commutator scaling in Hamiltonian simulation </a:t>
+            </a:r>
+          </a:p>
+          <a:p>
+            <a:pPr algn="ctr"/>
+            <a:r>
+              <a:rPr kumimoji="1" lang="en-US" altLang="ja-JP" sz="8000" dirty="0">
+                <a:solidFill>
+                  <a:schemeClr val="bg1"/>
+                </a:solidFill>
+                <a:latin typeface="Times New Roman" panose="02020603050405020304" pitchFamily="18" charset="0"/>
+                <a:cs typeface="Times New Roman" panose="02020603050405020304" pitchFamily="18" charset="0"/>
+              </a:rPr>
+              <a:t>with multi-product formulas</a:t>
+            </a:r>
+            <a:endParaRPr kumimoji="1" lang="ja-JP" altLang="en-US" sz="8000">
+              <a:solidFill>
+                <a:schemeClr val="bg1"/>
               </a:solidFill>
               <a:latin typeface="Times New Roman" panose="02020603050405020304" pitchFamily="18" charset="0"/>
               <a:cs typeface="Times New Roman" panose="02020603050405020304" pitchFamily="18" charset="0"/>
